--- a/documentation/workflow_outline.pptx
+++ b/documentation/workflow_outline.pptx
@@ -4082,8 +4082,8 @@
         </p:nvSpPr>
         <p:spPr>
           <a:xfrm>
-            <a:off x="1584284" y="466801"/>
-            <a:ext cx="1080000" cy="781396"/>
+            <a:off x="1584283" y="466801"/>
+            <a:ext cx="1215495" cy="781396"/>
           </a:xfrm>
           <a:prstGeom prst="rect">
             <a:avLst/>
@@ -4117,23 +4117,35 @@
             <a:pPr algn="ctr"/>
             <a:r>
               <a:rPr lang="en-GB" sz="1000" dirty="0" smtClean="0"/>
-              <a:t>    Save data files (</a:t>
+              <a:t>    Save data files </a:t>
+            </a:r>
+            <a:r>
+              <a:rPr lang="en-GB" sz="1000" dirty="0" smtClean="0"/>
+              <a:t>(.</a:t>
             </a:r>
             <a:r>
               <a:rPr lang="en-GB" sz="1000" dirty="0" err="1" smtClean="0"/>
-              <a:t>imzMLs</a:t>
+              <a:t>imzML</a:t>
             </a:r>
             <a:r>
               <a:rPr lang="en-GB" sz="1000" dirty="0" smtClean="0"/>
-              <a:t> &amp; </a:t>
+              <a:t>, </a:t>
+            </a:r>
+            <a:r>
+              <a:rPr lang="en-GB" sz="1000" dirty="0" smtClean="0"/>
+              <a:t>.</a:t>
             </a:r>
             <a:r>
               <a:rPr lang="en-GB" sz="1000" dirty="0" err="1" smtClean="0"/>
-              <a:t>ibds</a:t>
+              <a:t>ibd</a:t>
             </a:r>
             <a:r>
               <a:rPr lang="en-GB" sz="1000" dirty="0" smtClean="0"/>
-              <a:t>) in folders by </a:t>
+              <a:t>) </a:t>
+            </a:r>
+            <a:r>
+              <a:rPr lang="en-GB" sz="1000" dirty="0" smtClean="0"/>
+              <a:t>in folders by </a:t>
             </a:r>
             <a:r>
               <a:rPr lang="en-GB" sz="1000" dirty="0" smtClean="0"/>
@@ -4157,8 +4169,8 @@
         </p:nvSpPr>
         <p:spPr>
           <a:xfrm>
-            <a:off x="1584283" y="1292723"/>
-            <a:ext cx="1080000" cy="781396"/>
+            <a:off x="1584282" y="1292723"/>
+            <a:ext cx="1215497" cy="781396"/>
           </a:xfrm>
           <a:prstGeom prst="rect">
             <a:avLst/>
@@ -4204,16 +4216,17 @@
             </a:r>
             <a:r>
               <a:rPr lang="en-GB" sz="1000" dirty="0" smtClean="0"/>
-              <a:t>(csv</a:t>
-            </a:r>
-            <a:r>
-              <a:rPr lang="en-GB" sz="1000" smtClean="0"/>
-              <a:t>) in each </a:t>
+              <a:t>(.csv) in each </a:t>
             </a:r>
             <a:r>
               <a:rPr lang="en-GB" sz="1000" dirty="0" smtClean="0"/>
-              <a:t>folder of data</a:t>
-            </a:r>
+              <a:t>folder of </a:t>
+            </a:r>
+            <a:r>
+              <a:rPr lang="en-GB" sz="1000" dirty="0" smtClean="0"/>
+              <a:t>data, and update these files as needed</a:t>
+            </a:r>
+            <a:endParaRPr lang="en-GB" sz="1000" dirty="0" smtClean="0"/>
           </a:p>
         </p:txBody>
       </p:sp>
@@ -4232,7 +4245,7 @@
         <p:spPr>
           <a:xfrm>
             <a:off x="1584284" y="2417228"/>
-            <a:ext cx="1079999" cy="781396"/>
+            <a:ext cx="1215494" cy="781396"/>
           </a:xfrm>
           <a:prstGeom prst="rect">
             <a:avLst/>
@@ -4266,7 +4279,15 @@
             <a:pPr algn="ctr"/>
             <a:r>
               <a:rPr lang="en-GB" sz="1000" dirty="0" smtClean="0"/>
-              <a:t>     Save a master script in a location of your choice</a:t>
+              <a:t>     Save a master script </a:t>
+            </a:r>
+            <a:r>
+              <a:rPr lang="en-GB" sz="1000" dirty="0" smtClean="0"/>
+              <a:t>file (.m) in </a:t>
+            </a:r>
+            <a:r>
+              <a:rPr lang="en-GB" sz="1000" dirty="0" smtClean="0"/>
+              <a:t>a location of your choice</a:t>
             </a:r>
             <a:endParaRPr lang="en-GB" sz="1000" dirty="0"/>
           </a:p>
@@ -4898,7 +4919,7 @@
                   <a:schemeClr val="bg1"/>
                 </a:solidFill>
               </a:rPr>
-              <a:t>2.1</a:t>
+              <a:t>3.1</a:t>
             </a:r>
             <a:endParaRPr lang="en-GB" sz="1000" b="1" dirty="0">
               <a:solidFill>
@@ -5179,7 +5200,7 @@
       </p:sp>
       <p:sp>
         <p:nvSpPr>
-          <p:cNvPr id="40" name="Rectangle 39">
+          <p:cNvPr id="41" name="Rectangle 40">
             <a:extLst>
               <a:ext uri="{FF2B5EF4-FFF2-40B4-BE49-F238E27FC236}">
                 <a16:creationId xmlns:a16="http://schemas.microsoft.com/office/drawing/2014/main" xmlns="" id="{CEF11C59-0A30-413B-A138-5882976AD0E8}"/>
@@ -5191,24 +5212,17 @@
         </p:nvSpPr>
         <p:spPr>
           <a:xfrm>
-            <a:off x="250564" y="3243151"/>
-            <a:ext cx="1296786" cy="781396"/>
+            <a:off x="1584283" y="3243151"/>
+            <a:ext cx="1215495" cy="781396"/>
           </a:xfrm>
           <a:prstGeom prst="rect">
             <a:avLst/>
           </a:prstGeom>
           <a:solidFill>
-            <a:schemeClr val="bg1">
-              <a:lumMod val="95000"/>
+            <a:schemeClr val="accent1">
+              <a:lumMod val="75000"/>
             </a:schemeClr>
           </a:solidFill>
-          <a:ln>
-            <a:solidFill>
-              <a:schemeClr val="bg2">
-                <a:lumMod val="50000"/>
-              </a:schemeClr>
-            </a:solidFill>
-          </a:ln>
         </p:spPr>
         <p:style>
           <a:lnRef idx="2">
@@ -5232,83 +5246,8 @@
           <a:p>
             <a:pPr algn="ctr"/>
             <a:r>
-              <a:rPr lang="en-GB" sz="700" dirty="0" smtClean="0">
-                <a:solidFill>
-                  <a:schemeClr val="accent3">
-                    <a:lumMod val="50000"/>
-                  </a:schemeClr>
-                </a:solidFill>
-              </a:rPr>
-              <a:t>With information regarding which folders of data need to be processed, which files within these folders, which main masks to use, which normalisations to save.</a:t>
-            </a:r>
-            <a:endParaRPr lang="en-GB" sz="700" dirty="0">
-              <a:solidFill>
-                <a:schemeClr val="accent3">
-                  <a:lumMod val="50000"/>
-                </a:schemeClr>
-              </a:solidFill>
-            </a:endParaRPr>
-          </a:p>
-        </p:txBody>
-      </p:sp>
-      <p:sp>
-        <p:nvSpPr>
-          <p:cNvPr id="41" name="Rectangle 40">
-            <a:extLst>
-              <a:ext uri="{FF2B5EF4-FFF2-40B4-BE49-F238E27FC236}">
-                <a16:creationId xmlns:a16="http://schemas.microsoft.com/office/drawing/2014/main" xmlns="" id="{CEF11C59-0A30-413B-A138-5882976AD0E8}"/>
-              </a:ext>
-            </a:extLst>
-          </p:cNvPr>
-          <p:cNvSpPr/>
-          <p:nvPr/>
-        </p:nvSpPr>
-        <p:spPr>
-          <a:xfrm>
-            <a:off x="1584283" y="3243151"/>
-            <a:ext cx="1079999" cy="781396"/>
-          </a:xfrm>
-          <a:prstGeom prst="rect">
-            <a:avLst/>
-          </a:prstGeom>
-          <a:solidFill>
-            <a:schemeClr val="accent1">
-              <a:lumMod val="75000"/>
-            </a:schemeClr>
-          </a:solidFill>
-        </p:spPr>
-        <p:style>
-          <a:lnRef idx="2">
-            <a:schemeClr val="accent1">
-              <a:shade val="50000"/>
-            </a:schemeClr>
-          </a:lnRef>
-          <a:fillRef idx="1">
-            <a:schemeClr val="accent1"/>
-          </a:fillRef>
-          <a:effectRef idx="0">
-            <a:schemeClr val="accent1"/>
-          </a:effectRef>
-          <a:fontRef idx="minor">
-            <a:schemeClr val="lt1"/>
-          </a:fontRef>
-        </p:style>
-        <p:txBody>
-          <a:bodyPr rtlCol="0" anchor="ctr"/>
-          <a:lstStyle/>
-          <a:p>
-            <a:pPr algn="ctr"/>
-            <a:r>
               <a:rPr lang="en-GB" sz="1000" dirty="0" smtClean="0"/>
-              <a:t>Fill in the 1</a:t>
-            </a:r>
-            <a:r>
-              <a:rPr lang="en-GB" sz="1000" baseline="30000" dirty="0" smtClean="0"/>
-              <a:t>st</a:t>
-            </a:r>
-            <a:r>
-              <a:rPr lang="en-GB" sz="1000" dirty="0" smtClean="0"/>
-              <a:t> cell of the pipeline script</a:t>
+              <a:t>Follow the instructions in the master script and update the one you saved as needed</a:t>
             </a:r>
             <a:endParaRPr lang="en-GB" sz="1000" dirty="0"/>
           </a:p>
@@ -5347,7 +5286,7 @@
                   <a:schemeClr val="bg1"/>
                 </a:solidFill>
               </a:rPr>
-              <a:t>2.2</a:t>
+              <a:t>3.2</a:t>
             </a:r>
             <a:endParaRPr lang="en-GB" sz="1000" b="1" dirty="0">
               <a:solidFill>
@@ -7279,8 +7218,8 @@
         </p:nvSpPr>
         <p:spPr>
           <a:xfrm>
-            <a:off x="250564" y="2417228"/>
-            <a:ext cx="1296786" cy="781396"/>
+            <a:off x="54708" y="2417228"/>
+            <a:ext cx="1492642" cy="781396"/>
           </a:xfrm>
           <a:prstGeom prst="rect">
             <a:avLst/>
@@ -7327,7 +7266,57 @@
                   </a:schemeClr>
                 </a:solidFill>
               </a:rPr>
-              <a:t>It is recommended to have a master script for each study, as information regarding data location needs to be specified in it.</a:t>
+              <a:t>A reference </a:t>
+            </a:r>
+            <a:r>
+              <a:rPr lang="en-GB" sz="700" dirty="0" smtClean="0">
+                <a:solidFill>
+                  <a:schemeClr val="accent3">
+                    <a:lumMod val="50000"/>
+                  </a:schemeClr>
+                </a:solidFill>
+              </a:rPr>
+              <a:t>master script file can be found in the folde</a:t>
+            </a:r>
+            <a:r>
+              <a:rPr lang="en-GB" sz="700" dirty="0">
+                <a:solidFill>
+                  <a:schemeClr val="accent3">
+                    <a:lumMod val="50000"/>
+                  </a:schemeClr>
+                </a:solidFill>
+              </a:rPr>
+              <a:t>r named </a:t>
+            </a:r>
+            <a:r>
+              <a:rPr lang="en-GB" sz="700" dirty="0" smtClean="0">
+                <a:solidFill>
+                  <a:schemeClr val="accent3">
+                    <a:lumMod val="50000"/>
+                  </a:schemeClr>
+                </a:solidFill>
+              </a:rPr>
+              <a:t>master-script. </a:t>
+            </a:r>
+            <a:r>
+              <a:rPr lang="en-GB" sz="700" dirty="0" smtClean="0">
+                <a:solidFill>
+                  <a:schemeClr val="accent3">
+                    <a:lumMod val="50000"/>
+                  </a:schemeClr>
+                </a:solidFill>
+              </a:rPr>
+              <a:t>It </a:t>
+            </a:r>
+            <a:r>
+              <a:rPr lang="en-GB" sz="700" dirty="0" smtClean="0">
+                <a:solidFill>
+                  <a:schemeClr val="accent3">
+                    <a:lumMod val="50000"/>
+                  </a:schemeClr>
+                </a:solidFill>
+              </a:rPr>
+              <a:t>is recommended to have a master script for each study, as information regarding data location needs to be specified in it.</a:t>
             </a:r>
             <a:endParaRPr lang="en-GB" sz="700" dirty="0">
               <a:solidFill>
